--- a/Due Now Presentation.pptx
+++ b/Due Now Presentation.pptx
@@ -8,14 +8,13 @@
     <p:sldId id="256" r:id="rId2"/>
     <p:sldId id="257" r:id="rId3"/>
     <p:sldId id="258" r:id="rId4"/>
-    <p:sldId id="259" r:id="rId5"/>
-    <p:sldId id="264" r:id="rId6"/>
-    <p:sldId id="260" r:id="rId7"/>
-    <p:sldId id="261" r:id="rId8"/>
-    <p:sldId id="262" r:id="rId9"/>
-    <p:sldId id="263" r:id="rId10"/>
-    <p:sldId id="265" r:id="rId11"/>
-    <p:sldId id="266" r:id="rId12"/>
+    <p:sldId id="264" r:id="rId5"/>
+    <p:sldId id="260" r:id="rId6"/>
+    <p:sldId id="261" r:id="rId7"/>
+    <p:sldId id="262" r:id="rId8"/>
+    <p:sldId id="263" r:id="rId9"/>
+    <p:sldId id="265" r:id="rId10"/>
+    <p:sldId id="266" r:id="rId11"/>
   </p:sldIdLst>
   <p:sldSz cx="12192000" cy="6858000"/>
   <p:notesSz cx="6858000" cy="9144000"/>
@@ -114,6 +113,22 @@
       </a:defRPr>
     </a:lvl9pPr>
   </p:defaultTextStyle>
+  <p:extLst>
+    <p:ext uri="{EFAFB233-063F-42B5-8137-9DF3F51BA10A}">
+      <p15:sldGuideLst xmlns:p15="http://schemas.microsoft.com/office/powerpoint/2012/main">
+        <p15:guide id="1" orient="horz" pos="2160">
+          <p15:clr>
+            <a:srgbClr val="A4A3A4"/>
+          </p15:clr>
+        </p15:guide>
+        <p15:guide id="2" pos="3840">
+          <p15:clr>
+            <a:srgbClr val="A4A3A4"/>
+          </p15:clr>
+        </p15:guide>
+      </p15:sldGuideLst>
+    </p:ext>
+  </p:extLst>
 </p:presentation>
 </file>
 
@@ -3183,6 +3198,25 @@
       </p:grpSpPr>
       <p:sp>
         <p:nvSpPr>
+          <p:cNvPr id="2" name="Title 1"/>
+          <p:cNvSpPr>
+            <a:spLocks noGrp="1"/>
+          </p:cNvSpPr>
+          <p:nvPr>
+            <p:ph type="ctrTitle"/>
+          </p:nvPr>
+        </p:nvSpPr>
+        <p:spPr/>
+        <p:txBody>
+          <a:bodyPr/>
+          <a:lstStyle/>
+          <a:p>
+            <a:endParaRPr lang="en-GB"/>
+          </a:p>
+        </p:txBody>
+      </p:sp>
+      <p:sp>
+        <p:nvSpPr>
           <p:cNvPr id="3" name="Subtitle 2"/>
           <p:cNvSpPr>
             <a:spLocks noGrp="1"/>
@@ -3193,13 +3227,13 @@
         </p:nvSpPr>
         <p:spPr>
           <a:xfrm>
-            <a:off x="1505164" y="4978117"/>
-            <a:ext cx="9448800" cy="685800"/>
+            <a:off x="1635759" y="4611188"/>
+            <a:ext cx="8615680" cy="1066800"/>
           </a:xfrm>
         </p:spPr>
         <p:txBody>
           <a:bodyPr>
-            <a:normAutofit fontScale="92500" lnSpcReduction="10000"/>
+            <a:normAutofit/>
           </a:bodyPr>
           <a:lstStyle/>
           <a:p>
@@ -3210,17 +3244,18 @@
             </a:r>
           </a:p>
           <a:p>
+            <a:pPr algn="ctr"/>
             <a:r>
               <a:rPr lang="en-US" dirty="0" smtClean="0"/>
-              <a:t>Ian De La Cruz, Chiara </a:t>
-            </a:r>
-            <a:r>
-              <a:rPr lang="en-US" dirty="0" err="1" smtClean="0"/>
-              <a:t>Señires</a:t>
+              <a:t>Ian De La Cruz, </a:t>
             </a:r>
             <a:r>
               <a:rPr lang="en-US" dirty="0" smtClean="0"/>
-              <a:t>, Elysia Villadarez, Pearl Santos</a:t>
+              <a:t>Chi </a:t>
+            </a:r>
+            <a:r>
+              <a:rPr lang="en-US" dirty="0" smtClean="0"/>
+              <a:t>Señires, Elysia Villadarez, Pearl Santos</a:t>
             </a:r>
             <a:endParaRPr lang="en-US" dirty="0"/>
           </a:p>
@@ -3248,7 +3283,7 @@
         </p:blipFill>
         <p:spPr>
           <a:xfrm>
-            <a:off x="1795509" y="1147739"/>
+            <a:off x="1867429" y="1121614"/>
             <a:ext cx="8457143" cy="3594071"/>
           </a:xfrm>
           <a:prstGeom prst="rect">
@@ -3315,72 +3350,6 @@
           <a:p>
             <a:pPr algn="ctr"/>
             <a:r>
-              <a:rPr lang="en-US" b="1" dirty="0" smtClean="0"/>
-              <a:t>Questions?</a:t>
-            </a:r>
-            <a:endParaRPr lang="en-US" b="1" dirty="0"/>
-          </a:p>
-        </p:txBody>
-      </p:sp>
-    </p:spTree>
-    <p:extLst>
-      <p:ext uri="{BB962C8B-B14F-4D97-AF65-F5344CB8AC3E}">
-        <p14:creationId xmlns:p14="http://schemas.microsoft.com/office/powerpoint/2010/main" val="3583987114"/>
-      </p:ext>
-    </p:extLst>
-  </p:cSld>
-  <p:clrMapOvr>
-    <a:masterClrMapping/>
-  </p:clrMapOvr>
-  <p:timing>
-    <p:tnLst>
-      <p:par>
-        <p:cTn id="1" dur="indefinite" restart="never" nodeType="tmRoot"/>
-      </p:par>
-    </p:tnLst>
-  </p:timing>
-</p:sld>
-</file>
-
-<file path=ppt/slides/slide11.xml><?xml version="1.0" encoding="utf-8"?>
-<p:sld xmlns:a="http://schemas.openxmlformats.org/drawingml/2006/main" xmlns:r="http://schemas.openxmlformats.org/officeDocument/2006/relationships" xmlns:p="http://schemas.openxmlformats.org/presentationml/2006/main">
-  <p:cSld>
-    <p:spTree>
-      <p:nvGrpSpPr>
-        <p:cNvPr id="1" name=""/>
-        <p:cNvGrpSpPr/>
-        <p:nvPr/>
-      </p:nvGrpSpPr>
-      <p:grpSpPr>
-        <a:xfrm>
-          <a:off x="0" y="0"/>
-          <a:ext cx="0" cy="0"/>
-          <a:chOff x="0" y="0"/>
-          <a:chExt cx="0" cy="0"/>
-        </a:xfrm>
-      </p:grpSpPr>
-      <p:sp>
-        <p:nvSpPr>
-          <p:cNvPr id="2" name="Title 1"/>
-          <p:cNvSpPr>
-            <a:spLocks noGrp="1"/>
-          </p:cNvSpPr>
-          <p:nvPr>
-            <p:ph type="title"/>
-          </p:nvPr>
-        </p:nvSpPr>
-        <p:spPr>
-          <a:xfrm>
-            <a:off x="1659276" y="3018034"/>
-            <a:ext cx="9601200" cy="1081355"/>
-          </a:xfrm>
-        </p:spPr>
-        <p:txBody>
-          <a:bodyPr/>
-          <a:lstStyle/>
-          <a:p>
-            <a:pPr algn="ctr"/>
-            <a:r>
               <a:rPr lang="en-US" b="1" smtClean="0"/>
               <a:t>Thank you!</a:t>
             </a:r>
@@ -3435,7 +3404,12 @@
             <p:ph type="title"/>
           </p:nvPr>
         </p:nvSpPr>
-        <p:spPr/>
+        <p:spPr>
+          <a:xfrm>
+            <a:off x="609600" y="1338943"/>
+            <a:ext cx="10160000" cy="1143000"/>
+          </a:xfrm>
+        </p:spPr>
         <p:txBody>
           <a:bodyPr/>
           <a:lstStyle/>
@@ -3460,13 +3434,13 @@
         </p:nvSpPr>
         <p:spPr>
           <a:xfrm>
-            <a:off x="1710647" y="2291135"/>
-            <a:ext cx="9601200" cy="1900721"/>
+            <a:off x="609600" y="1028700"/>
+            <a:ext cx="10160000" cy="4800600"/>
           </a:xfrm>
         </p:spPr>
         <p:txBody>
-          <a:bodyPr>
-            <a:normAutofit lnSpcReduction="10000"/>
+          <a:bodyPr anchor="ctr">
+            <a:normAutofit/>
           </a:bodyPr>
           <a:lstStyle/>
           <a:p>
@@ -3528,18 +3502,13 @@
             <p:ph type="title"/>
           </p:nvPr>
         </p:nvSpPr>
-        <p:spPr>
-          <a:xfrm>
-            <a:off x="1371600" y="685800"/>
-            <a:ext cx="9601200" cy="865598"/>
-          </a:xfrm>
-        </p:spPr>
-        <p:txBody>
-          <a:bodyPr/>
-          <a:lstStyle/>
-          <a:p>
-            <a:r>
-              <a:rPr lang="en-US" b="1" dirty="0" smtClean="0"/>
+        <p:spPr/>
+        <p:txBody>
+          <a:bodyPr/>
+          <a:lstStyle/>
+          <a:p>
+            <a:r>
+              <a:rPr lang="en-US" b="1" smtClean="0"/>
               <a:t>Features</a:t>
             </a:r>
             <a:endParaRPr lang="en-US" b="1" dirty="0"/>
@@ -3553,18 +3522,13 @@
             <a:spLocks noGrp="1"/>
           </p:cNvSpPr>
           <p:nvPr>
-            <p:ph idx="1"/>
-          </p:nvPr>
-        </p:nvSpPr>
-        <p:spPr>
-          <a:xfrm>
-            <a:off x="1371600" y="1551398"/>
-            <a:ext cx="9601200" cy="4839128"/>
-          </a:xfrm>
-        </p:spPr>
+            <p:ph sz="half" idx="1"/>
+          </p:nvPr>
+        </p:nvSpPr>
+        <p:spPr/>
         <p:txBody>
           <a:bodyPr>
-            <a:normAutofit/>
+            <a:normAutofit fontScale="92500"/>
           </a:bodyPr>
           <a:lstStyle/>
           <a:p>
@@ -3572,15 +3536,11 @@
               <a:buAutoNum type="arabicPeriod"/>
             </a:pPr>
             <a:r>
-              <a:rPr lang="en-US" sz="3000" b="1" dirty="0" smtClean="0"/>
-              <a:t>Set </a:t>
-            </a:r>
-            <a:r>
-              <a:rPr lang="en-US" sz="3000" b="1" dirty="0"/>
-              <a:t>priority and difficulty</a:t>
-            </a:r>
-            <a:r>
-              <a:rPr lang="en-US" dirty="0" smtClean="0"/>
+              <a:rPr lang="en-US" sz="3000" b="1" smtClean="0"/>
+              <a:t>Set priority and difficulty</a:t>
+            </a:r>
+            <a:r>
+              <a:rPr lang="en-US" smtClean="0"/>
               <a:t>.</a:t>
             </a:r>
           </a:p>
@@ -3589,80 +3549,30 @@
               <a:buNone/>
             </a:pPr>
             <a:r>
-              <a:rPr lang="en-US" sz="2700" dirty="0"/>
-              <a:t>	- </a:t>
-            </a:r>
-            <a:r>
-              <a:rPr lang="en-US" sz="2700" dirty="0" smtClean="0"/>
-              <a:t>avoid </a:t>
-            </a:r>
-            <a:r>
-              <a:rPr lang="en-US" sz="2700" dirty="0"/>
-              <a:t>the hassle of having to constantly schedule your tasks in a certain period of time. </a:t>
-            </a:r>
-            <a:endParaRPr lang="en-US" sz="2700" dirty="0"/>
+              <a:rPr lang="en-US" sz="2700" smtClean="0"/>
+              <a:t>	- avoid the hassle of having to constantly schedule your tasks in a certain period of time. </a:t>
+            </a:r>
           </a:p>
           <a:p>
             <a:pPr marL="0" indent="0">
               <a:buNone/>
             </a:pPr>
             <a:r>
-              <a:rPr lang="en-US" dirty="0"/>
+              <a:rPr lang="en-US" smtClean="0"/>
               <a:t>	</a:t>
             </a:r>
             <a:r>
-              <a:rPr lang="en-US" sz="2700" dirty="0"/>
-              <a:t>- </a:t>
-            </a:r>
-            <a:r>
-              <a:rPr lang="en-US" sz="2700" dirty="0" smtClean="0"/>
-              <a:t>define </a:t>
-            </a:r>
-            <a:r>
-              <a:rPr lang="en-US" sz="2700" dirty="0"/>
-              <a:t>your </a:t>
-            </a:r>
-            <a:r>
-              <a:rPr lang="en-US" sz="2700" dirty="0" smtClean="0"/>
-              <a:t>tasks, specify </a:t>
-            </a:r>
-            <a:r>
-              <a:rPr lang="en-US" sz="2700" dirty="0"/>
-              <a:t>each one's level of </a:t>
-            </a:r>
-            <a:r>
-              <a:rPr lang="en-US" sz="2700" dirty="0" smtClean="0"/>
-              <a:t>difficulty, and </a:t>
-            </a:r>
-            <a:r>
-              <a:rPr lang="en-US" sz="2700" dirty="0"/>
-              <a:t>set whether the priority is low, medium, or </a:t>
-            </a:r>
-            <a:r>
-              <a:rPr lang="en-US" sz="2700" dirty="0" smtClean="0"/>
-              <a:t>high</a:t>
-            </a:r>
-            <a:endParaRPr lang="en-US" sz="2700" dirty="0" smtClean="0"/>
+              <a:rPr lang="en-US" sz="2700" smtClean="0"/>
+              <a:t>- define your tasks, specify each one's level of difficulty, and set whether the priority is low, medium, or high</a:t>
+            </a:r>
           </a:p>
           <a:p>
             <a:pPr marL="0" indent="0">
               <a:buNone/>
             </a:pPr>
             <a:r>
-              <a:rPr lang="en-US" sz="2700" dirty="0" smtClean="0"/>
-              <a:t>	- </a:t>
-            </a:r>
-            <a:r>
-              <a:rPr lang="en-US" sz="2700" dirty="0" smtClean="0"/>
-              <a:t>let </a:t>
-            </a:r>
-            <a:r>
-              <a:rPr lang="en-US" sz="2700" dirty="0"/>
-              <a:t>t</a:t>
-            </a:r>
-            <a:r>
-              <a:rPr lang="en-US" sz="2700" dirty="0" smtClean="0"/>
-              <a:t>he app do the categorizing and scheduling for you.</a:t>
+              <a:rPr lang="en-US" sz="2700" smtClean="0"/>
+              <a:t>	- let the app do the categorizing and scheduling for you.</a:t>
             </a:r>
           </a:p>
           <a:p>
@@ -3670,6 +3580,64 @@
               <a:buNone/>
             </a:pPr>
             <a:endParaRPr lang="en-US" dirty="0"/>
+          </a:p>
+        </p:txBody>
+      </p:sp>
+      <p:sp>
+        <p:nvSpPr>
+          <p:cNvPr id="6" name="Content Placeholder 5"/>
+          <p:cNvSpPr>
+            <a:spLocks noGrp="1"/>
+          </p:cNvSpPr>
+          <p:nvPr>
+            <p:ph sz="half" idx="2"/>
+          </p:nvPr>
+        </p:nvSpPr>
+        <p:spPr/>
+        <p:txBody>
+          <a:bodyPr>
+            <a:normAutofit fontScale="92500"/>
+          </a:bodyPr>
+          <a:lstStyle/>
+          <a:p>
+            <a:pPr marL="0" indent="0">
+              <a:buNone/>
+            </a:pPr>
+            <a:r>
+              <a:rPr lang="en-US" b="1" dirty="0"/>
+              <a:t>2. Get notified of deadlines.</a:t>
+            </a:r>
+            <a:endParaRPr lang="en-US" dirty="0"/>
+          </a:p>
+          <a:p>
+            <a:pPr marL="0" indent="0">
+              <a:buNone/>
+            </a:pPr>
+            <a:r>
+              <a:rPr lang="en-US" dirty="0"/>
+              <a:t>	- Get desktop notifications whenever deadlines are near, or when there are unfinished tasks that are due soon. </a:t>
+            </a:r>
+          </a:p>
+          <a:p>
+            <a:pPr marL="0" indent="0">
+              <a:buNone/>
+            </a:pPr>
+            <a:r>
+              <a:rPr lang="en-US" b="1" dirty="0"/>
+              <a:t>3. Know when to start your tasks</a:t>
+            </a:r>
+          </a:p>
+          <a:p>
+            <a:pPr marL="0" indent="0">
+              <a:buNone/>
+            </a:pPr>
+            <a:r>
+              <a:rPr lang="en-US" dirty="0"/>
+              <a:t>	- know the most efficient time to start your tasks to efficiently conquer your huge pile of tasks</a:t>
+            </a:r>
+          </a:p>
+          <a:p>
+            <a:endParaRPr lang="en-GB" dirty="0"/>
           </a:p>
         </p:txBody>
       </p:sp>
@@ -3720,18 +3688,13 @@
             <p:ph type="title"/>
           </p:nvPr>
         </p:nvSpPr>
-        <p:spPr>
-          <a:xfrm>
-            <a:off x="1371600" y="685800"/>
-            <a:ext cx="9601200" cy="865598"/>
-          </a:xfrm>
-        </p:spPr>
-        <p:txBody>
-          <a:bodyPr/>
-          <a:lstStyle/>
-          <a:p>
-            <a:r>
-              <a:rPr lang="en-US" b="1" dirty="0" smtClean="0"/>
+        <p:spPr/>
+        <p:txBody>
+          <a:bodyPr/>
+          <a:lstStyle/>
+          <a:p>
+            <a:r>
+              <a:rPr lang="en-US" b="1" smtClean="0"/>
               <a:t>Features</a:t>
             </a:r>
             <a:endParaRPr lang="en-US" b="1" dirty="0"/>
@@ -3748,12 +3711,7 @@
             <p:ph idx="1"/>
           </p:nvPr>
         </p:nvSpPr>
-        <p:spPr>
-          <a:xfrm>
-            <a:off x="1371600" y="1551397"/>
-            <a:ext cx="10382036" cy="4890499"/>
-          </a:xfrm>
-        </p:spPr>
+        <p:spPr/>
         <p:txBody>
           <a:bodyPr>
             <a:normAutofit/>
@@ -3764,47 +3722,17 @@
               <a:buNone/>
             </a:pPr>
             <a:r>
-              <a:rPr lang="en-US" sz="3000" b="1" dirty="0"/>
-              <a:t>2. Get notified of deadlines.</a:t>
-            </a:r>
-            <a:endParaRPr lang="en-US" sz="3000" dirty="0"/>
+              <a:rPr lang="en-US" sz="3000" b="1" smtClean="0"/>
+              <a:t>4. Get to know your work ethics</a:t>
+            </a:r>
           </a:p>
           <a:p>
             <a:pPr marL="0" indent="0">
               <a:buNone/>
             </a:pPr>
             <a:r>
-              <a:rPr lang="en-US" sz="3000" dirty="0"/>
-              <a:t>	- Get desktop notifications whenever deadlines are near, or when there are unfinished tasks that are due soon. </a:t>
-            </a:r>
-            <a:endParaRPr lang="en-US" sz="3000" dirty="0" smtClean="0"/>
-          </a:p>
-          <a:p>
-            <a:pPr marL="0" indent="0">
-              <a:buNone/>
-            </a:pPr>
-            <a:endParaRPr lang="en-US" sz="3000" dirty="0" smtClean="0"/>
-          </a:p>
-          <a:p>
-            <a:pPr marL="0" indent="0">
-              <a:buNone/>
-            </a:pPr>
-            <a:r>
-              <a:rPr lang="en-US" sz="3000" b="1" dirty="0"/>
-              <a:t>3. Know when to start your tasks</a:t>
-            </a:r>
-          </a:p>
-          <a:p>
-            <a:pPr marL="0" indent="0">
-              <a:buNone/>
-            </a:pPr>
-            <a:r>
-              <a:rPr lang="en-US" sz="3000" dirty="0"/>
-              <a:t>	</a:t>
-            </a:r>
-            <a:r>
-              <a:rPr lang="en-US" sz="3000" dirty="0" smtClean="0"/>
-              <a:t>- know the most efficient time to start your tasks to efficiently conquer your huge pile of tasks</a:t>
+              <a:rPr lang="en-US" sz="3000" smtClean="0"/>
+              <a:t>	- let the app get to know you and your work ethics by looking through old records</a:t>
             </a:r>
             <a:endParaRPr lang="en-US" sz="3000" dirty="0"/>
           </a:p>
@@ -3813,7 +3741,7 @@
     </p:spTree>
     <p:extLst>
       <p:ext uri="{BB962C8B-B14F-4D97-AF65-F5344CB8AC3E}">
-        <p14:creationId xmlns:p14="http://schemas.microsoft.com/office/powerpoint/2010/main" val="1295941340"/>
+        <p14:creationId xmlns:p14="http://schemas.microsoft.com/office/powerpoint/2010/main" val="2708896174"/>
       </p:ext>
     </p:extLst>
   </p:cSld>
@@ -3859,8 +3787,8 @@
         </p:nvSpPr>
         <p:spPr>
           <a:xfrm>
-            <a:off x="1371600" y="685800"/>
-            <a:ext cx="9601200" cy="865598"/>
+            <a:off x="1166115" y="315931"/>
+            <a:ext cx="10677919" cy="884875"/>
           </a:xfrm>
         </p:spPr>
         <p:txBody>
@@ -3869,62 +3797,40 @@
           <a:p>
             <a:r>
               <a:rPr lang="en-US" b="1" dirty="0" smtClean="0"/>
-              <a:t>Features</a:t>
+              <a:t>Home Screen</a:t>
             </a:r>
             <a:endParaRPr lang="en-US" b="1" dirty="0"/>
           </a:p>
         </p:txBody>
       </p:sp>
-      <p:sp>
-        <p:nvSpPr>
-          <p:cNvPr id="4" name="Content Placeholder 2"/>
-          <p:cNvSpPr>
-            <a:spLocks noGrp="1"/>
-          </p:cNvSpPr>
-          <p:nvPr>
-            <p:ph idx="1"/>
-          </p:nvPr>
-        </p:nvSpPr>
+      <p:pic>
+        <p:nvPicPr>
+          <p:cNvPr id="3" name="Picture 2"/>
+          <p:cNvPicPr>
+            <a:picLocks noChangeAspect="1"/>
+          </p:cNvPicPr>
+          <p:nvPr/>
+        </p:nvPicPr>
+        <p:blipFill>
+          <a:blip r:embed="rId2"/>
+          <a:stretch>
+            <a:fillRect/>
+          </a:stretch>
+        </p:blipFill>
         <p:spPr>
           <a:xfrm>
-            <a:off x="1371600" y="1551397"/>
-            <a:ext cx="10382036" cy="4890499"/>
+            <a:off x="267653" y="1362457"/>
+            <a:ext cx="11656695" cy="5495543"/>
           </a:xfrm>
+          <a:prstGeom prst="rect">
+            <a:avLst/>
+          </a:prstGeom>
         </p:spPr>
-        <p:txBody>
-          <a:bodyPr>
-            <a:normAutofit/>
-          </a:bodyPr>
-          <a:lstStyle/>
-          <a:p>
-            <a:pPr marL="0" indent="0">
-              <a:buNone/>
-            </a:pPr>
-            <a:r>
-              <a:rPr lang="en-US" sz="3000" b="1" dirty="0"/>
-              <a:t>4. Get to know your work </a:t>
-            </a:r>
-            <a:r>
-              <a:rPr lang="en-US" sz="3000" b="1" dirty="0" smtClean="0"/>
-              <a:t>ethics</a:t>
-            </a:r>
-          </a:p>
-          <a:p>
-            <a:pPr marL="0" indent="0">
-              <a:buNone/>
-            </a:pPr>
-            <a:r>
-              <a:rPr lang="en-US" sz="3000" dirty="0" smtClean="0"/>
-              <a:t>	- let the app get to know you and your work ethics by looking through old records</a:t>
-            </a:r>
-            <a:endParaRPr lang="en-US" sz="3000" dirty="0"/>
-          </a:p>
-        </p:txBody>
-      </p:sp>
+      </p:pic>
     </p:spTree>
     <p:extLst>
       <p:ext uri="{BB962C8B-B14F-4D97-AF65-F5344CB8AC3E}">
-        <p14:creationId xmlns:p14="http://schemas.microsoft.com/office/powerpoint/2010/main" val="2708896174"/>
+        <p14:creationId xmlns:p14="http://schemas.microsoft.com/office/powerpoint/2010/main" val="3358522074"/>
       </p:ext>
     </p:extLst>
   </p:cSld>
@@ -3980,7 +3886,7 @@
           <a:p>
             <a:r>
               <a:rPr lang="en-US" b="1" dirty="0" smtClean="0"/>
-              <a:t>Home Screen</a:t>
+              <a:t>Login</a:t>
             </a:r>
             <a:endParaRPr lang="en-US" b="1" dirty="0"/>
           </a:p>
@@ -3988,7 +3894,7 @@
       </p:sp>
       <p:pic>
         <p:nvPicPr>
-          <p:cNvPr id="4" name="Picture 3"/>
+          <p:cNvPr id="5" name="Picture 4"/>
           <p:cNvPicPr>
             <a:picLocks noChangeAspect="1"/>
           </p:cNvPicPr>
@@ -4002,8 +3908,8 @@
         </p:blipFill>
         <p:spPr>
           <a:xfrm>
-            <a:off x="1014073" y="1200806"/>
-            <a:ext cx="10829962" cy="5223000"/>
+            <a:off x="267653" y="1362456"/>
+            <a:ext cx="11656695" cy="5495543"/>
           </a:xfrm>
           <a:prstGeom prst="rect">
             <a:avLst/>
@@ -4013,7 +3919,7 @@
     </p:spTree>
     <p:extLst>
       <p:ext uri="{BB962C8B-B14F-4D97-AF65-F5344CB8AC3E}">
-        <p14:creationId xmlns:p14="http://schemas.microsoft.com/office/powerpoint/2010/main" val="3358522074"/>
+        <p14:creationId xmlns:p14="http://schemas.microsoft.com/office/powerpoint/2010/main" val="2112847533"/>
       </p:ext>
     </p:extLst>
   </p:cSld>
@@ -4069,7 +3975,7 @@
           <a:p>
             <a:r>
               <a:rPr lang="en-US" b="1" dirty="0" smtClean="0"/>
-              <a:t>Login</a:t>
+              <a:t>Scheduling Tasks</a:t>
             </a:r>
             <a:endParaRPr lang="en-US" b="1" dirty="0"/>
           </a:p>
@@ -4077,7 +3983,7 @@
       </p:sp>
       <p:pic>
         <p:nvPicPr>
-          <p:cNvPr id="3" name="Picture 2"/>
+          <p:cNvPr id="6" name="Picture 5"/>
           <p:cNvPicPr>
             <a:picLocks noChangeAspect="1"/>
           </p:cNvPicPr>
@@ -4091,8 +3997,8 @@
         </p:blipFill>
         <p:spPr>
           <a:xfrm>
-            <a:off x="1166114" y="1200806"/>
-            <a:ext cx="10671839" cy="5169172"/>
+            <a:off x="267653" y="1345389"/>
+            <a:ext cx="11656695" cy="5512610"/>
           </a:xfrm>
           <a:prstGeom prst="rect">
             <a:avLst/>
@@ -4102,7 +4008,7 @@
     </p:spTree>
     <p:extLst>
       <p:ext uri="{BB962C8B-B14F-4D97-AF65-F5344CB8AC3E}">
-        <p14:creationId xmlns:p14="http://schemas.microsoft.com/office/powerpoint/2010/main" val="2112847533"/>
+        <p14:creationId xmlns:p14="http://schemas.microsoft.com/office/powerpoint/2010/main" val="4226117646"/>
       </p:ext>
     </p:extLst>
   </p:cSld>
@@ -4148,8 +4054,8 @@
         </p:nvSpPr>
         <p:spPr>
           <a:xfrm>
-            <a:off x="1166115" y="315931"/>
-            <a:ext cx="10677919" cy="884875"/>
+            <a:off x="1803115" y="2432406"/>
+            <a:ext cx="9375170" cy="2108772"/>
           </a:xfrm>
         </p:spPr>
         <p:txBody>
@@ -4158,7 +4064,27 @@
           <a:p>
             <a:r>
               <a:rPr lang="en-US" b="1" dirty="0" smtClean="0"/>
-              <a:t>Scheduling Tasks</a:t>
+              <a:t>What </a:t>
+            </a:r>
+            <a:r>
+              <a:rPr lang="en-US" b="1" dirty="0" smtClean="0"/>
+              <a:t>makes  </a:t>
+            </a:r>
+            <a:r>
+              <a:rPr lang="en-US" b="1" dirty="0" smtClean="0">
+                <a:solidFill>
+                  <a:srgbClr val="FF0000"/>
+                </a:solidFill>
+              </a:rPr>
+              <a:t>                    </a:t>
+            </a:r>
+            <a:r>
+              <a:rPr lang="en-US" b="1" dirty="0" smtClean="0"/>
+              <a:t>different </a:t>
+            </a:r>
+            <a:r>
+              <a:rPr lang="en-US" b="1" dirty="0" smtClean="0"/>
+              <a:t>from other scheduling applications?</a:t>
             </a:r>
             <a:endParaRPr lang="en-US" b="1" dirty="0"/>
           </a:p>
@@ -4166,22 +4092,28 @@
       </p:sp>
       <p:pic>
         <p:nvPicPr>
-          <p:cNvPr id="4" name="Picture 3"/>
+          <p:cNvPr id="3" name="Picture 2"/>
           <p:cNvPicPr>
             <a:picLocks noChangeAspect="1"/>
           </p:cNvPicPr>
           <p:nvPr/>
         </p:nvPicPr>
         <p:blipFill>
-          <a:blip r:embed="rId2"/>
+          <a:blip r:embed="rId2" cstate="print">
+            <a:extLst>
+              <a:ext uri="{28A0092B-C50C-407E-A947-70E740481C1C}">
+                <a14:useLocalDpi xmlns:a14="http://schemas.microsoft.com/office/drawing/2010/main" val="0"/>
+              </a:ext>
+            </a:extLst>
+          </a:blip>
           <a:stretch>
             <a:fillRect/>
           </a:stretch>
         </p:blipFill>
         <p:spPr>
           <a:xfrm>
-            <a:off x="1166115" y="1200806"/>
-            <a:ext cx="10649272" cy="5169172"/>
+            <a:off x="5002515" y="2168481"/>
+            <a:ext cx="2667446" cy="1149485"/>
           </a:xfrm>
           <a:prstGeom prst="rect">
             <a:avLst/>
@@ -4191,7 +4123,7 @@
     </p:spTree>
     <p:extLst>
       <p:ext uri="{BB962C8B-B14F-4D97-AF65-F5344CB8AC3E}">
-        <p14:creationId xmlns:p14="http://schemas.microsoft.com/office/powerpoint/2010/main" val="4226117646"/>
+        <p14:creationId xmlns:p14="http://schemas.microsoft.com/office/powerpoint/2010/main" val="3036786235"/>
       </p:ext>
     </p:extLst>
   </p:cSld>
@@ -4237,17 +4169,18 @@
         </p:nvSpPr>
         <p:spPr>
           <a:xfrm>
-            <a:off x="1803115" y="2432406"/>
-            <a:ext cx="9375170" cy="2108772"/>
+            <a:off x="609600" y="2857500"/>
+            <a:ext cx="10160000" cy="1143000"/>
           </a:xfrm>
         </p:spPr>
         <p:txBody>
           <a:bodyPr/>
           <a:lstStyle/>
           <a:p>
+            <a:pPr algn="ctr"/>
             <a:r>
               <a:rPr lang="en-US" b="1" dirty="0" smtClean="0"/>
-              <a:t>What makes Due Now different from other scheduling applications?</a:t>
+              <a:t>Questions?</a:t>
             </a:r>
             <a:endParaRPr lang="en-US" b="1" dirty="0"/>
           </a:p>
@@ -4256,7 +4189,7 @@
     </p:spTree>
     <p:extLst>
       <p:ext uri="{BB962C8B-B14F-4D97-AF65-F5344CB8AC3E}">
-        <p14:creationId xmlns:p14="http://schemas.microsoft.com/office/powerpoint/2010/main" val="3036786235"/>
+        <p14:creationId xmlns:p14="http://schemas.microsoft.com/office/powerpoint/2010/main" val="3583987114"/>
       </p:ext>
     </p:extLst>
   </p:cSld>
